--- a/Week4 Pre/CT Project Weekly Status Report 6-26-2020.pptx
+++ b/Week4 Pre/CT Project Weekly Status Report 6-26-2020.pptx
@@ -220,7 +220,7 @@
           <a:p>
             <a:fld id="{A1A54248-2F7D-47AE-BD85-F8655F691659}" type="datetimeFigureOut">
               <a:rPr lang="en-US" smtClean="0"/>
-              <a:t>6/26/2020</a:t>
+              <a:t>6/26/20</a:t>
             </a:fld>
             <a:endParaRPr lang="en-US"/>
           </a:p>
@@ -397,7 +397,7 @@
           <a:p>
             <a:fld id="{7F1520C6-56AC-4B6D-AC74-4BFBEC9D5141}" type="datetimeFigureOut">
               <a:rPr lang="en-US" smtClean="0"/>
-              <a:t>6/26/2020</a:t>
+              <a:t>6/26/20</a:t>
             </a:fld>
             <a:endParaRPr lang="en-US"/>
           </a:p>
@@ -7531,8 +7531,8 @@
         </p:nvSpPr>
         <p:spPr>
           <a:xfrm>
-            <a:off x="782472" y="1562475"/>
-            <a:ext cx="10673687" cy="5404578"/>
+            <a:off x="782472" y="1414191"/>
+            <a:ext cx="10673687" cy="4588903"/>
           </a:xfrm>
           <a:prstGeom prst="rect">
             <a:avLst/>
@@ -7736,6 +7736,17 @@
                   <a:schemeClr val="tx2"/>
                 </a:solidFill>
               </a:rPr>
+              <a:t>Implemented client side based on UIUX prototype designs</a:t>
+            </a:r>
+          </a:p>
+          <a:p>
+            <a:pPr lvl="1"/>
+            <a:r>
+              <a:rPr lang="en-US" dirty="0">
+                <a:solidFill>
+                  <a:schemeClr val="tx2"/>
+                </a:solidFill>
+              </a:rPr>
               <a:t>Made the connection between device and server</a:t>
             </a:r>
           </a:p>
@@ -7751,6 +7762,9 @@
             </a:r>
           </a:p>
           <a:p>
+            <a:pPr marL="457200" lvl="1" indent="0">
+              <a:buNone/>
+            </a:pPr>
             <a:endParaRPr lang="en-US" dirty="0">
               <a:solidFill>
                 <a:schemeClr val="tx2"/>
@@ -7861,8 +7875,8 @@
         </p:blipFill>
         <p:spPr>
           <a:xfrm>
-            <a:off x="675346" y="4967064"/>
-            <a:ext cx="11318978" cy="1195620"/>
+            <a:off x="210064" y="4893276"/>
+            <a:ext cx="11910501" cy="1258102"/>
           </a:xfrm>
           <a:prstGeom prst="rect">
             <a:avLst/>
@@ -8150,6 +8164,26 @@
                 </a:solidFill>
               </a:rPr>
               <a:t>Look into the possibility of including Push kit</a:t>
+            </a:r>
+          </a:p>
+          <a:p>
+            <a:r>
+              <a:rPr lang="en-US" dirty="0">
+                <a:solidFill>
+                  <a:schemeClr val="tx2"/>
+                </a:solidFill>
+              </a:rPr>
+              <a:t>Fix and improve UI</a:t>
+            </a:r>
+          </a:p>
+          <a:p>
+            <a:r>
+              <a:rPr lang="en-US" dirty="0">
+                <a:solidFill>
+                  <a:schemeClr val="tx2"/>
+                </a:solidFill>
+              </a:rPr>
+              <a:t>Analyze Germany Corona-Warn-App UIUX</a:t>
             </a:r>
           </a:p>
         </p:txBody>

--- a/Week4 Pre/CT Project Weekly Status Report 6-26-2020.pptx
+++ b/Week4 Pre/CT Project Weekly Status Report 6-26-2020.pptx
@@ -8184,6 +8184,16 @@
                 </a:solidFill>
               </a:rPr>
               <a:t>Analyze Germany Corona-Warn-App UIUX</a:t>
+            </a:r>
+          </a:p>
+          <a:p>
+            <a:r>
+              <a:rPr lang="en-US" dirty="0">
+                <a:solidFill>
+                  <a:schemeClr val="tx2"/>
+                </a:solidFill>
+              </a:rPr>
+              <a:t>Design dashboard to analyze data </a:t>
             </a:r>
           </a:p>
         </p:txBody>

--- a/Week4 Pre/CT Project Weekly Status Report 6-26-2020.pptx
+++ b/Week4 Pre/CT Project Weekly Status Report 6-26-2020.pptx
@@ -7804,55 +7804,6 @@
           </a:p>
         </p:txBody>
       </p:sp>
-      <p:sp>
-        <p:nvSpPr>
-          <p:cNvPr id="3" name="Rectangle 2">
-            <a:extLst>
-              <a:ext uri="{FF2B5EF4-FFF2-40B4-BE49-F238E27FC236}">
-                <a16:creationId xmlns:a16="http://schemas.microsoft.com/office/drawing/2014/main" id="{20F5FE60-3B64-4C24-A19E-F19D7318304A}"/>
-              </a:ext>
-            </a:extLst>
-          </p:cNvPr>
-          <p:cNvSpPr/>
-          <p:nvPr/>
-        </p:nvSpPr>
-        <p:spPr>
-          <a:xfrm>
-            <a:off x="8374716" y="566382"/>
-            <a:ext cx="2436125" cy="3923731"/>
-          </a:xfrm>
-          <a:prstGeom prst="rect">
-            <a:avLst/>
-          </a:prstGeom>
-        </p:spPr>
-        <p:style>
-          <a:lnRef idx="2">
-            <a:schemeClr val="accent1">
-              <a:shade val="50000"/>
-            </a:schemeClr>
-          </a:lnRef>
-          <a:fillRef idx="1">
-            <a:schemeClr val="accent1"/>
-          </a:fillRef>
-          <a:effectRef idx="0">
-            <a:schemeClr val="accent1"/>
-          </a:effectRef>
-          <a:fontRef idx="minor">
-            <a:schemeClr val="lt1"/>
-          </a:fontRef>
-        </p:style>
-        <p:txBody>
-          <a:bodyPr rtlCol="0" anchor="ctr"/>
-          <a:lstStyle/>
-          <a:p>
-            <a:pPr algn="ctr"/>
-            <a:r>
-              <a:rPr lang="en-US" dirty="0"/>
-              <a:t>UI Here</a:t>
-            </a:r>
-          </a:p>
-        </p:txBody>
-      </p:sp>
       <p:pic>
         <p:nvPicPr>
           <p:cNvPr id="6" name="Picture 5">
@@ -7877,6 +7828,41 @@
           <a:xfrm>
             <a:off x="210064" y="4893276"/>
             <a:ext cx="11910501" cy="1258102"/>
+          </a:xfrm>
+          <a:prstGeom prst="rect">
+            <a:avLst/>
+          </a:prstGeom>
+        </p:spPr>
+      </p:pic>
+      <p:pic>
+        <p:nvPicPr>
+          <p:cNvPr id="7" name="Picture 6" descr="A screenshot of a cell phone&#10;&#10;Description automatically generated">
+            <a:extLst>
+              <a:ext uri="{FF2B5EF4-FFF2-40B4-BE49-F238E27FC236}">
+                <a16:creationId xmlns:a16="http://schemas.microsoft.com/office/drawing/2014/main" id="{6C39E0C3-1190-104E-9BC4-78E64EA53178}"/>
+              </a:ext>
+            </a:extLst>
+          </p:cNvPr>
+          <p:cNvPicPr>
+            <a:picLocks noChangeAspect="1"/>
+          </p:cNvPicPr>
+          <p:nvPr/>
+        </p:nvPicPr>
+        <p:blipFill rotWithShape="1">
+          <a:blip r:embed="rId3">
+            <a:extLst>
+              <a:ext uri="{28A0092B-C50C-407E-A947-70E740481C1C}">
+                <a14:useLocalDpi xmlns:a14="http://schemas.microsoft.com/office/drawing/2010/main" val="0"/>
+              </a:ext>
+            </a:extLst>
+          </a:blip>
+          <a:srcRect t="1194"/>
+          <a:stretch/>
+        </p:blipFill>
+        <p:spPr>
+          <a:xfrm>
+            <a:off x="9109052" y="31846"/>
+            <a:ext cx="2518656" cy="4713146"/>
           </a:xfrm>
           <a:prstGeom prst="rect">
             <a:avLst/>
